--- a/presentation/20201106/20201106.pptx
+++ b/presentation/20201106/20201106.pptx
@@ -1208,7 +1208,7 @@
           <a:p>
             <a:fld id="{F12C3F38-0B87-4C10-8B2F-E7BCC05B1BB1}" type="datetimeFigureOut">
               <a:rPr lang="fr-FR" smtClean="0"/>
-              <a:t>06/11/2020</a:t>
+              <a:t>22/11/2020</a:t>
             </a:fld>
             <a:endParaRPr lang="fr-FR"/>
           </a:p>
@@ -1788,7 +1788,7 @@
           <a:p>
             <a:fld id="{E9023EAC-B262-42E6-9EEF-5224AFCDB7AB}" type="datetimeFigureOut">
               <a:rPr lang="fr-FR" smtClean="0"/>
-              <a:t>06/11/2020</a:t>
+              <a:t>22/11/2020</a:t>
             </a:fld>
             <a:endParaRPr lang="fr-FR"/>
           </a:p>
@@ -1996,7 +1996,7 @@
           <a:p>
             <a:fld id="{E9023EAC-B262-42E6-9EEF-5224AFCDB7AB}" type="datetimeFigureOut">
               <a:rPr lang="fr-FR" smtClean="0"/>
-              <a:t>06/11/2020</a:t>
+              <a:t>22/11/2020</a:t>
             </a:fld>
             <a:endParaRPr lang="fr-FR"/>
           </a:p>
@@ -2252,7 +2252,7 @@
           <a:p>
             <a:fld id="{E9023EAC-B262-42E6-9EEF-5224AFCDB7AB}" type="datetimeFigureOut">
               <a:rPr lang="fr-FR" smtClean="0"/>
-              <a:t>06/11/2020</a:t>
+              <a:t>22/11/2020</a:t>
             </a:fld>
             <a:endParaRPr lang="fr-FR"/>
           </a:p>
@@ -2422,7 +2422,7 @@
           <a:p>
             <a:fld id="{E9023EAC-B262-42E6-9EEF-5224AFCDB7AB}" type="datetimeFigureOut">
               <a:rPr lang="fr-FR" smtClean="0"/>
-              <a:t>06/11/2020</a:t>
+              <a:t>22/11/2020</a:t>
             </a:fld>
             <a:endParaRPr lang="fr-FR"/>
           </a:p>
@@ -2765,7 +2765,7 @@
           <a:p>
             <a:fld id="{E9023EAC-B262-42E6-9EEF-5224AFCDB7AB}" type="datetimeFigureOut">
               <a:rPr lang="fr-FR" smtClean="0"/>
-              <a:t>06/11/2020</a:t>
+              <a:t>22/11/2020</a:t>
             </a:fld>
             <a:endParaRPr lang="fr-FR"/>
           </a:p>
@@ -3040,7 +3040,7 @@
           <a:p>
             <a:fld id="{E9023EAC-B262-42E6-9EEF-5224AFCDB7AB}" type="datetimeFigureOut">
               <a:rPr lang="fr-FR" smtClean="0"/>
-              <a:t>06/11/2020</a:t>
+              <a:t>22/11/2020</a:t>
             </a:fld>
             <a:endParaRPr lang="fr-FR"/>
           </a:p>
@@ -3419,7 +3419,7 @@
           <a:p>
             <a:fld id="{E9023EAC-B262-42E6-9EEF-5224AFCDB7AB}" type="datetimeFigureOut">
               <a:rPr lang="fr-FR" smtClean="0"/>
-              <a:t>06/11/2020</a:t>
+              <a:t>22/11/2020</a:t>
             </a:fld>
             <a:endParaRPr lang="fr-FR"/>
           </a:p>
@@ -3537,7 +3537,7 @@
           <a:p>
             <a:fld id="{E9023EAC-B262-42E6-9EEF-5224AFCDB7AB}" type="datetimeFigureOut">
               <a:rPr lang="fr-FR" smtClean="0"/>
-              <a:t>06/11/2020</a:t>
+              <a:t>22/11/2020</a:t>
             </a:fld>
             <a:endParaRPr lang="fr-FR"/>
           </a:p>
@@ -3708,7 +3708,7 @@
           <a:p>
             <a:fld id="{E9023EAC-B262-42E6-9EEF-5224AFCDB7AB}" type="datetimeFigureOut">
               <a:rPr lang="fr-FR" smtClean="0"/>
-              <a:t>06/11/2020</a:t>
+              <a:t>22/11/2020</a:t>
             </a:fld>
             <a:endParaRPr lang="fr-FR"/>
           </a:p>
@@ -4062,7 +4062,7 @@
           <a:p>
             <a:fld id="{E9023EAC-B262-42E6-9EEF-5224AFCDB7AB}" type="datetimeFigureOut">
               <a:rPr lang="fr-FR" smtClean="0"/>
-              <a:t>06/11/2020</a:t>
+              <a:t>22/11/2020</a:t>
             </a:fld>
             <a:endParaRPr lang="fr-FR"/>
           </a:p>
@@ -4439,7 +4439,7 @@
           <a:p>
             <a:fld id="{E9023EAC-B262-42E6-9EEF-5224AFCDB7AB}" type="datetimeFigureOut">
               <a:rPr lang="fr-FR" smtClean="0"/>
-              <a:t>06/11/2020</a:t>
+              <a:t>22/11/2020</a:t>
             </a:fld>
             <a:endParaRPr lang="fr-FR"/>
           </a:p>
@@ -4726,7 +4726,7 @@
           <a:p>
             <a:fld id="{E9023EAC-B262-42E6-9EEF-5224AFCDB7AB}" type="datetimeFigureOut">
               <a:rPr lang="fr-FR" smtClean="0"/>
-              <a:t>06/11/2020</a:t>
+              <a:t>22/11/2020</a:t>
             </a:fld>
             <a:endParaRPr lang="fr-FR"/>
           </a:p>
